--- a/Web Design &UI/2. CSS Styling/Presentations/CSS-Presentation.pptx
+++ b/Web Design &UI/2. CSS Styling/Presentations/CSS-Presentation.pptx
@@ -5,7 +5,7 @@
     <p:sldMasterId id="2147483660" r:id="rId1"/>
   </p:sldMasterIdLst>
   <p:notesMasterIdLst>
-    <p:notesMasterId r:id="rId42"/>
+    <p:notesMasterId r:id="rId39"/>
   </p:notesMasterIdLst>
   <p:sldIdLst>
     <p:sldId id="256" r:id="rId2"/>
@@ -44,10 +44,7 @@
     <p:sldId id="289" r:id="rId35"/>
     <p:sldId id="290" r:id="rId36"/>
     <p:sldId id="291" r:id="rId37"/>
-    <p:sldId id="294" r:id="rId38"/>
-    <p:sldId id="297" r:id="rId39"/>
-    <p:sldId id="295" r:id="rId40"/>
-    <p:sldId id="296" r:id="rId41"/>
+    <p:sldId id="299" r:id="rId38"/>
   </p:sldIdLst>
   <p:sldSz cx="9144000" cy="6858000" type="screen4x3"/>
   <p:notesSz cx="6858000" cy="9144000"/>
@@ -148,7 +145,18 @@
   </p:defaultTextStyle>
   <p:extLst>
     <p:ext uri="{EFAFB233-063F-42B5-8137-9DF3F51BA10A}">
-      <p15:sldGuideLst xmlns:p15="http://schemas.microsoft.com/office/powerpoint/2012/main" xmlns=""/>
+      <p15:sldGuideLst xmlns:p15="http://schemas.microsoft.com/office/powerpoint/2012/main">
+        <p15:guide id="1" orient="horz" pos="2160">
+          <p15:clr>
+            <a:srgbClr val="A4A3A4"/>
+          </p15:clr>
+        </p15:guide>
+        <p15:guide id="2" pos="2880">
+          <p15:clr>
+            <a:srgbClr val="A4A3A4"/>
+          </p15:clr>
+        </p15:guide>
+      </p15:sldGuideLst>
     </p:ext>
   </p:extLst>
 </p:presentation>
@@ -236,7 +244,7 @@
           <a:p>
             <a:fld id="{1C9C6C66-9DA0-4B17-A625-CB04F094DECA}" type="datetimeFigureOut">
               <a:rPr lang="en-US" smtClean="0"/>
-              <a:t>4/2/2014</a:t>
+              <a:t>4/28/2015</a:t>
             </a:fld>
             <a:endParaRPr lang="en-US"/>
           </a:p>
@@ -502,6 +510,90 @@
     </a:lvl9pPr>
   </p:notesStyle>
 </p:notesMaster>
+</file>
+
+<file path=ppt/notesSlides/notesSlide1.xml><?xml version="1.0" encoding="utf-8"?>
+<p:notes xmlns:a="http://schemas.openxmlformats.org/drawingml/2006/main" xmlns:r="http://schemas.openxmlformats.org/officeDocument/2006/relationships" xmlns:p="http://schemas.openxmlformats.org/presentationml/2006/main">
+  <p:cSld>
+    <p:spTree>
+      <p:nvGrpSpPr>
+        <p:cNvPr id="1" name=""/>
+        <p:cNvGrpSpPr/>
+        <p:nvPr/>
+      </p:nvGrpSpPr>
+      <p:grpSpPr>
+        <a:xfrm>
+          <a:off x="0" y="0"/>
+          <a:ext cx="0" cy="0"/>
+          <a:chOff x="0" y="0"/>
+          <a:chExt cx="0" cy="0"/>
+        </a:xfrm>
+      </p:grpSpPr>
+      <p:sp>
+        <p:nvSpPr>
+          <p:cNvPr id="2" name="Slide Image Placeholder 1"/>
+          <p:cNvSpPr>
+            <a:spLocks noGrp="1" noRot="1" noChangeAspect="1"/>
+          </p:cNvSpPr>
+          <p:nvPr>
+            <p:ph type="sldImg"/>
+          </p:nvPr>
+        </p:nvSpPr>
+        <p:spPr/>
+      </p:sp>
+      <p:sp>
+        <p:nvSpPr>
+          <p:cNvPr id="3" name="Notes Placeholder 2"/>
+          <p:cNvSpPr>
+            <a:spLocks noGrp="1"/>
+          </p:cNvSpPr>
+          <p:nvPr>
+            <p:ph type="body" idx="1"/>
+          </p:nvPr>
+        </p:nvSpPr>
+        <p:spPr/>
+        <p:txBody>
+          <a:bodyPr/>
+          <a:lstStyle/>
+          <a:p>
+            <a:endParaRPr lang="en-US" dirty="0"/>
+          </a:p>
+        </p:txBody>
+      </p:sp>
+      <p:sp>
+        <p:nvSpPr>
+          <p:cNvPr id="4" name="Slide Number Placeholder 3"/>
+          <p:cNvSpPr>
+            <a:spLocks noGrp="1"/>
+          </p:cNvSpPr>
+          <p:nvPr>
+            <p:ph type="sldNum" sz="quarter" idx="10"/>
+          </p:nvPr>
+        </p:nvSpPr>
+        <p:spPr/>
+        <p:txBody>
+          <a:bodyPr/>
+          <a:lstStyle/>
+          <a:p>
+            <a:fld id="{E92C9915-09CD-4767-A6D9-275589740775}" type="slidenum">
+              <a:rPr lang="en-US" smtClean="0"/>
+              <a:t>4</a:t>
+            </a:fld>
+            <a:endParaRPr lang="en-US"/>
+          </a:p>
+        </p:txBody>
+      </p:sp>
+    </p:spTree>
+    <p:extLst>
+      <p:ext uri="{BB962C8B-B14F-4D97-AF65-F5344CB8AC3E}">
+        <p14:creationId xmlns:p14="http://schemas.microsoft.com/office/powerpoint/2010/main" val="1469250057"/>
+      </p:ext>
+    </p:extLst>
+  </p:cSld>
+  <p:clrMapOvr>
+    <a:masterClrMapping/>
+  </p:clrMapOvr>
+</p:notes>
 </file>
 
 <file path=ppt/slideLayouts/slideLayout1.xml><?xml version="1.0" encoding="utf-8"?>
@@ -6168,70 +6260,816 @@
           </a:ln>
         </p:spPr>
       </p:pic>
-      <p:pic>
-        <p:nvPicPr>
-          <p:cNvPr id="16" name="Picture 2"/>
-          <p:cNvPicPr>
-            <a:picLocks noChangeAspect="1" noChangeArrowheads="1"/>
-          </p:cNvPicPr>
+      <p:sp>
+        <p:nvSpPr>
+          <p:cNvPr id="7" name="Text Placeholder 6"/>
+          <p:cNvSpPr>
+            <a:spLocks noGrp="1"/>
+          </p:cNvSpPr>
           <p:nvPr/>
-        </p:nvPicPr>
-        <p:blipFill>
-          <a:blip r:embed="rId4">
-            <a:extLst>
-              <a:ext uri="{28A0092B-C50C-407E-A947-70E740481C1C}">
-                <a14:useLocalDpi xmlns:a14="http://schemas.microsoft.com/office/drawing/2010/main" val="0"/>
-              </a:ext>
-            </a:extLst>
-          </a:blip>
-          <a:srcRect/>
-          <a:stretch>
-            <a:fillRect/>
-          </a:stretch>
-        </p:blipFill>
-        <p:spPr bwMode="auto">
+        </p:nvSpPr>
+        <p:spPr>
           <a:xfrm>
-            <a:off x="164304" y="5338343"/>
-            <a:ext cx="4090987" cy="1219200"/>
+            <a:off x="429087" y="5726668"/>
+            <a:ext cx="3293516" cy="400110"/>
           </a:xfrm>
           <a:prstGeom prst="rect">
             <a:avLst/>
           </a:prstGeom>
           <a:noFill/>
-          <a:ln>
-            <a:noFill/>
-          </a:ln>
-          <a:effectLst/>
-          <a:extLst>
-            <a:ext uri="{909E8E84-426E-40DD-AFC4-6F175D3DCCD1}">
-              <a14:hiddenFill xmlns:a14="http://schemas.microsoft.com/office/drawing/2010/main">
-                <a:solidFill>
-                  <a:schemeClr val="accent1"/>
-                </a:solidFill>
-              </a14:hiddenFill>
-            </a:ext>
-            <a:ext uri="{91240B29-F687-4F45-9708-019B960494DF}">
-              <a14:hiddenLine xmlns:a14="http://schemas.microsoft.com/office/drawing/2010/main" w="9525">
-                <a:solidFill>
-                  <a:schemeClr val="tx1"/>
-                </a:solidFill>
-                <a:miter lim="800000"/>
-                <a:headEnd/>
-                <a:tailEnd/>
-              </a14:hiddenLine>
-            </a:ext>
-            <a:ext uri="{AF507438-7753-43E0-B8FC-AC1667EBCBE1}">
-              <a14:hiddenEffects xmlns:a14="http://schemas.microsoft.com/office/drawing/2010/main">
+        </p:spPr>
+        <p:txBody>
+          <a:bodyPr wrap="square" rtlCol="0">
+            <a:spAutoFit/>
+          </a:bodyPr>
+          <a:lstStyle>
+            <a:lvl1pPr marL="319088" indent="-319088" algn="l" rtl="0" eaLnBrk="0" fontAlgn="base" hangingPunct="0">
+              <a:spcBef>
+                <a:spcPct val="20000"/>
+              </a:spcBef>
+              <a:spcAft>
+                <a:spcPct val="0"/>
+              </a:spcAft>
+              <a:buClr>
+                <a:schemeClr val="accent5">
+                  <a:lumMod val="40000"/>
+                  <a:lumOff val="60000"/>
+                </a:schemeClr>
+              </a:buClr>
+              <a:buSzPct val="70000"/>
+              <a:buFont typeface="Wingdings 2" pitchFamily="18" charset="2"/>
+              <a:buNone/>
+              <a:defRPr lang="en-US" sz="2000" b="1" kern="1200" dirty="0">
+                <a:solidFill>
+                  <a:schemeClr val="tx2">
+                    <a:lumMod val="20000"/>
+                    <a:lumOff val="80000"/>
+                  </a:schemeClr>
+                </a:solidFill>
                 <a:effectLst>
-                  <a:outerShdw dist="35921" dir="2700000" algn="ctr" rotWithShape="0">
-                    <a:schemeClr val="bg2"/>
+                  <a:outerShdw blurRad="38100" dist="38100" dir="2700000" algn="tl">
+                    <a:srgbClr val="000000">
+                      <a:alpha val="43137"/>
+                    </a:srgbClr>
                   </a:outerShdw>
                 </a:effectLst>
-              </a14:hiddenEffects>
-            </a:ext>
-          </a:extLst>
+                <a:latin typeface="Corbel" pitchFamily="34" charset="0"/>
+                <a:ea typeface="+mn-ea"/>
+                <a:cs typeface="+mn-cs"/>
+              </a:defRPr>
+            </a:lvl1pPr>
+            <a:lvl2pPr marL="630238" indent="-273050" algn="l" rtl="0" eaLnBrk="0" fontAlgn="base" hangingPunct="0">
+              <a:spcBef>
+                <a:spcPct val="20000"/>
+              </a:spcBef>
+              <a:spcAft>
+                <a:spcPct val="0"/>
+              </a:spcAft>
+              <a:buClr>
+                <a:schemeClr val="accent2">
+                  <a:lumMod val="60000"/>
+                  <a:lumOff val="40000"/>
+                </a:schemeClr>
+              </a:buClr>
+              <a:buFont typeface="Wingdings 2" pitchFamily="18" charset="2"/>
+              <a:buChar char=""/>
+              <a:defRPr sz="3000" b="1" kern="1200">
+                <a:solidFill>
+                  <a:schemeClr val="tx1">
+                    <a:lumMod val="20000"/>
+                    <a:lumOff val="80000"/>
+                  </a:schemeClr>
+                </a:solidFill>
+                <a:effectLst>
+                  <a:outerShdw blurRad="38100" dist="38100" dir="2700000" algn="tl">
+                    <a:srgbClr val="000000">
+                      <a:alpha val="43137"/>
+                    </a:srgbClr>
+                  </a:outerShdw>
+                </a:effectLst>
+                <a:latin typeface="+mn-lt"/>
+                <a:ea typeface="+mn-ea"/>
+                <a:cs typeface="+mn-cs"/>
+              </a:defRPr>
+            </a:lvl2pPr>
+            <a:lvl3pPr marL="922338" indent="-273050" algn="l" rtl="0" eaLnBrk="0" fontAlgn="base" hangingPunct="0">
+              <a:spcBef>
+                <a:spcPct val="20000"/>
+              </a:spcBef>
+              <a:spcAft>
+                <a:spcPct val="0"/>
+              </a:spcAft>
+              <a:buClr>
+                <a:schemeClr val="tx1">
+                  <a:lumMod val="50000"/>
+                </a:schemeClr>
+              </a:buClr>
+              <a:buFont typeface="Wingdings 2" pitchFamily="18" charset="2"/>
+              <a:buChar char=""/>
+              <a:defRPr sz="2800" b="1" kern="1200">
+                <a:solidFill>
+                  <a:schemeClr val="tx1">
+                    <a:lumMod val="20000"/>
+                    <a:lumOff val="80000"/>
+                  </a:schemeClr>
+                </a:solidFill>
+                <a:effectLst>
+                  <a:outerShdw blurRad="38100" dist="38100" dir="2700000" algn="tl">
+                    <a:srgbClr val="000000">
+                      <a:alpha val="43137"/>
+                    </a:srgbClr>
+                  </a:outerShdw>
+                </a:effectLst>
+                <a:latin typeface="+mn-lt"/>
+                <a:ea typeface="+mn-ea"/>
+                <a:cs typeface="+mn-cs"/>
+              </a:defRPr>
+            </a:lvl3pPr>
+            <a:lvl4pPr marL="1187450" indent="-228600" algn="l" rtl="0" eaLnBrk="0" fontAlgn="base" hangingPunct="0">
+              <a:spcBef>
+                <a:spcPct val="20000"/>
+              </a:spcBef>
+              <a:spcAft>
+                <a:spcPct val="0"/>
+              </a:spcAft>
+              <a:buClr>
+                <a:srgbClr val="F8BD52"/>
+              </a:buClr>
+              <a:buFont typeface="Wingdings 2" pitchFamily="18" charset="2"/>
+              <a:buChar char=""/>
+              <a:defRPr sz="2600" b="1" kern="1200">
+                <a:solidFill>
+                  <a:schemeClr val="tx1">
+                    <a:lumMod val="20000"/>
+                    <a:lumOff val="80000"/>
+                  </a:schemeClr>
+                </a:solidFill>
+                <a:effectLst>
+                  <a:outerShdw blurRad="38100" dist="38100" dir="2700000" algn="tl">
+                    <a:srgbClr val="000000">
+                      <a:alpha val="43137"/>
+                    </a:srgbClr>
+                  </a:outerShdw>
+                </a:effectLst>
+                <a:latin typeface="+mn-lt"/>
+                <a:ea typeface="+mn-ea"/>
+                <a:cs typeface="+mn-cs"/>
+              </a:defRPr>
+            </a:lvl4pPr>
+            <a:lvl5pPr marL="1425575" indent="-228600" algn="l" rtl="0" eaLnBrk="0" fontAlgn="base" hangingPunct="0">
+              <a:spcBef>
+                <a:spcPct val="20000"/>
+              </a:spcBef>
+              <a:spcAft>
+                <a:spcPct val="0"/>
+              </a:spcAft>
+              <a:buClr>
+                <a:srgbClr val="46A6BD"/>
+              </a:buClr>
+              <a:buFont typeface="Wingdings 2" pitchFamily="18" charset="2"/>
+              <a:buChar char=""/>
+              <a:defRPr sz="2400" b="1" kern="1200">
+                <a:solidFill>
+                  <a:schemeClr val="tx1">
+                    <a:lumMod val="20000"/>
+                    <a:lumOff val="80000"/>
+                  </a:schemeClr>
+                </a:solidFill>
+                <a:effectLst>
+                  <a:outerShdw blurRad="38100" dist="38100" dir="2700000" algn="tl">
+                    <a:srgbClr val="000000">
+                      <a:alpha val="43137"/>
+                    </a:srgbClr>
+                  </a:outerShdw>
+                </a:effectLst>
+                <a:latin typeface="+mn-lt"/>
+                <a:ea typeface="+mn-ea"/>
+                <a:cs typeface="+mn-cs"/>
+              </a:defRPr>
+            </a:lvl5pPr>
+            <a:lvl6pPr marL="1673352" indent="-228600" algn="l" rtl="0" eaLnBrk="1" latinLnBrk="0" hangingPunct="1">
+              <a:spcBef>
+                <a:spcPct val="20000"/>
+              </a:spcBef>
+              <a:buClr>
+                <a:schemeClr val="accent6"/>
+              </a:buClr>
+              <a:buFont typeface="Wingdings 2"/>
+              <a:buChar char=""/>
+              <a:defRPr sz="1800" kern="1200">
+                <a:solidFill>
+                  <a:schemeClr val="tx1"/>
+                </a:solidFill>
+                <a:latin typeface="+mn-lt"/>
+                <a:ea typeface="+mn-ea"/>
+                <a:cs typeface="+mn-cs"/>
+              </a:defRPr>
+            </a:lvl6pPr>
+            <a:lvl7pPr marL="1911096" indent="-228600" algn="l" rtl="0" eaLnBrk="1" latinLnBrk="0" hangingPunct="1">
+              <a:spcBef>
+                <a:spcPct val="20000"/>
+              </a:spcBef>
+              <a:buClr>
+                <a:schemeClr val="tx2"/>
+              </a:buClr>
+              <a:buFont typeface="Wingdings 2"/>
+              <a:buChar char=""/>
+              <a:defRPr sz="1600" kern="1200">
+                <a:solidFill>
+                  <a:schemeClr val="tx1"/>
+                </a:solidFill>
+                <a:latin typeface="+mn-lt"/>
+                <a:ea typeface="+mn-ea"/>
+                <a:cs typeface="+mn-cs"/>
+              </a:defRPr>
+            </a:lvl7pPr>
+            <a:lvl8pPr marL="2121408" indent="-182880" algn="l" rtl="0" eaLnBrk="1" latinLnBrk="0" hangingPunct="1">
+              <a:spcBef>
+                <a:spcPct val="20000"/>
+              </a:spcBef>
+              <a:buClr>
+                <a:schemeClr val="tx2"/>
+              </a:buClr>
+              <a:buFont typeface="Wingdings 2"/>
+              <a:buChar char=""/>
+              <a:defRPr sz="1400" kern="1200">
+                <a:solidFill>
+                  <a:schemeClr val="tx1"/>
+                </a:solidFill>
+                <a:latin typeface="+mn-lt"/>
+                <a:ea typeface="+mn-ea"/>
+                <a:cs typeface="+mn-cs"/>
+              </a:defRPr>
+            </a:lvl8pPr>
+            <a:lvl9pPr marL="2322576" indent="-182880" algn="l" rtl="0" eaLnBrk="1" latinLnBrk="0" hangingPunct="1">
+              <a:spcBef>
+                <a:spcPct val="20000"/>
+              </a:spcBef>
+              <a:buClr>
+                <a:schemeClr val="tx2"/>
+              </a:buClr>
+              <a:buFont typeface="Wingdings 2"/>
+              <a:buChar char=""/>
+              <a:defRPr sz="1400" kern="1200">
+                <a:solidFill>
+                  <a:schemeClr val="tx1"/>
+                </a:solidFill>
+                <a:latin typeface="+mn-lt"/>
+                <a:ea typeface="+mn-ea"/>
+                <a:cs typeface="+mn-cs"/>
+              </a:defRPr>
+            </a:lvl9pPr>
+          </a:lstStyle>
+          <a:p>
+            <a:r>
+              <a:rPr lang="en-US" dirty="0"/>
+              <a:t>Telerik Software Academy</a:t>
+            </a:r>
+          </a:p>
+        </p:txBody>
+      </p:sp>
+      <p:sp>
+        <p:nvSpPr>
+          <p:cNvPr id="8" name="Text Placeholder 7"/>
+          <p:cNvSpPr>
+            <a:spLocks noGrp="1"/>
+          </p:cNvSpPr>
+          <p:nvPr/>
+        </p:nvSpPr>
+        <p:spPr>
+          <a:xfrm>
+            <a:off x="429088" y="6031468"/>
+            <a:ext cx="3293516" cy="369332"/>
+          </a:xfrm>
+          <a:prstGeom prst="rect">
+            <a:avLst/>
+          </a:prstGeom>
+          <a:noFill/>
         </p:spPr>
-      </p:pic>
+        <p:txBody>
+          <a:bodyPr wrap="square" rtlCol="0">
+            <a:spAutoFit/>
+          </a:bodyPr>
+          <a:lstStyle>
+            <a:lvl1pPr marL="319088" indent="-319088" algn="l" rtl="0" eaLnBrk="0" fontAlgn="base" hangingPunct="0">
+              <a:spcBef>
+                <a:spcPct val="20000"/>
+              </a:spcBef>
+              <a:spcAft>
+                <a:spcPct val="0"/>
+              </a:spcAft>
+              <a:buClr>
+                <a:schemeClr val="accent5">
+                  <a:lumMod val="40000"/>
+                  <a:lumOff val="60000"/>
+                </a:schemeClr>
+              </a:buClr>
+              <a:buSzPct val="70000"/>
+              <a:buFont typeface="Wingdings 2" pitchFamily="18" charset="2"/>
+              <a:buNone/>
+              <a:defRPr lang="en-US" sz="1800" b="1" kern="1200" dirty="0">
+                <a:solidFill>
+                  <a:schemeClr val="tx2">
+                    <a:lumMod val="20000"/>
+                    <a:lumOff val="80000"/>
+                  </a:schemeClr>
+                </a:solidFill>
+                <a:effectLst>
+                  <a:outerShdw blurRad="38100" dist="38100" dir="2700000" algn="tl">
+                    <a:srgbClr val="000000">
+                      <a:alpha val="43137"/>
+                    </a:srgbClr>
+                  </a:outerShdw>
+                </a:effectLst>
+                <a:latin typeface="Corbel" pitchFamily="34" charset="0"/>
+                <a:ea typeface="+mn-ea"/>
+                <a:cs typeface="+mn-cs"/>
+              </a:defRPr>
+            </a:lvl1pPr>
+            <a:lvl2pPr marL="630238" indent="-273050" algn="l" rtl="0" eaLnBrk="0" fontAlgn="base" hangingPunct="0">
+              <a:spcBef>
+                <a:spcPct val="20000"/>
+              </a:spcBef>
+              <a:spcAft>
+                <a:spcPct val="0"/>
+              </a:spcAft>
+              <a:buClr>
+                <a:schemeClr val="accent2">
+                  <a:lumMod val="60000"/>
+                  <a:lumOff val="40000"/>
+                </a:schemeClr>
+              </a:buClr>
+              <a:buFont typeface="Wingdings 2" pitchFamily="18" charset="2"/>
+              <a:buChar char=""/>
+              <a:defRPr sz="3000" b="1" kern="1200">
+                <a:solidFill>
+                  <a:schemeClr val="tx1">
+                    <a:lumMod val="20000"/>
+                    <a:lumOff val="80000"/>
+                  </a:schemeClr>
+                </a:solidFill>
+                <a:effectLst>
+                  <a:outerShdw blurRad="38100" dist="38100" dir="2700000" algn="tl">
+                    <a:srgbClr val="000000">
+                      <a:alpha val="43137"/>
+                    </a:srgbClr>
+                  </a:outerShdw>
+                </a:effectLst>
+                <a:latin typeface="+mn-lt"/>
+                <a:ea typeface="+mn-ea"/>
+                <a:cs typeface="+mn-cs"/>
+              </a:defRPr>
+            </a:lvl2pPr>
+            <a:lvl3pPr marL="922338" indent="-273050" algn="l" rtl="0" eaLnBrk="0" fontAlgn="base" hangingPunct="0">
+              <a:spcBef>
+                <a:spcPct val="20000"/>
+              </a:spcBef>
+              <a:spcAft>
+                <a:spcPct val="0"/>
+              </a:spcAft>
+              <a:buClr>
+                <a:schemeClr val="tx1">
+                  <a:lumMod val="50000"/>
+                </a:schemeClr>
+              </a:buClr>
+              <a:buFont typeface="Wingdings 2" pitchFamily="18" charset="2"/>
+              <a:buChar char=""/>
+              <a:defRPr sz="2800" b="1" kern="1200">
+                <a:solidFill>
+                  <a:schemeClr val="tx1">
+                    <a:lumMod val="20000"/>
+                    <a:lumOff val="80000"/>
+                  </a:schemeClr>
+                </a:solidFill>
+                <a:effectLst>
+                  <a:outerShdw blurRad="38100" dist="38100" dir="2700000" algn="tl">
+                    <a:srgbClr val="000000">
+                      <a:alpha val="43137"/>
+                    </a:srgbClr>
+                  </a:outerShdw>
+                </a:effectLst>
+                <a:latin typeface="+mn-lt"/>
+                <a:ea typeface="+mn-ea"/>
+                <a:cs typeface="+mn-cs"/>
+              </a:defRPr>
+            </a:lvl3pPr>
+            <a:lvl4pPr marL="1187450" indent="-228600" algn="l" rtl="0" eaLnBrk="0" fontAlgn="base" hangingPunct="0">
+              <a:spcBef>
+                <a:spcPct val="20000"/>
+              </a:spcBef>
+              <a:spcAft>
+                <a:spcPct val="0"/>
+              </a:spcAft>
+              <a:buClr>
+                <a:srgbClr val="F8BD52"/>
+              </a:buClr>
+              <a:buFont typeface="Wingdings 2" pitchFamily="18" charset="2"/>
+              <a:buChar char=""/>
+              <a:defRPr sz="2600" b="1" kern="1200">
+                <a:solidFill>
+                  <a:schemeClr val="tx1">
+                    <a:lumMod val="20000"/>
+                    <a:lumOff val="80000"/>
+                  </a:schemeClr>
+                </a:solidFill>
+                <a:effectLst>
+                  <a:outerShdw blurRad="38100" dist="38100" dir="2700000" algn="tl">
+                    <a:srgbClr val="000000">
+                      <a:alpha val="43137"/>
+                    </a:srgbClr>
+                  </a:outerShdw>
+                </a:effectLst>
+                <a:latin typeface="+mn-lt"/>
+                <a:ea typeface="+mn-ea"/>
+                <a:cs typeface="+mn-cs"/>
+              </a:defRPr>
+            </a:lvl4pPr>
+            <a:lvl5pPr marL="1425575" indent="-228600" algn="l" rtl="0" eaLnBrk="0" fontAlgn="base" hangingPunct="0">
+              <a:spcBef>
+                <a:spcPct val="20000"/>
+              </a:spcBef>
+              <a:spcAft>
+                <a:spcPct val="0"/>
+              </a:spcAft>
+              <a:buClr>
+                <a:srgbClr val="46A6BD"/>
+              </a:buClr>
+              <a:buFont typeface="Wingdings 2" pitchFamily="18" charset="2"/>
+              <a:buChar char=""/>
+              <a:defRPr sz="2400" b="1" kern="1200">
+                <a:solidFill>
+                  <a:schemeClr val="tx1">
+                    <a:lumMod val="20000"/>
+                    <a:lumOff val="80000"/>
+                  </a:schemeClr>
+                </a:solidFill>
+                <a:effectLst>
+                  <a:outerShdw blurRad="38100" dist="38100" dir="2700000" algn="tl">
+                    <a:srgbClr val="000000">
+                      <a:alpha val="43137"/>
+                    </a:srgbClr>
+                  </a:outerShdw>
+                </a:effectLst>
+                <a:latin typeface="+mn-lt"/>
+                <a:ea typeface="+mn-ea"/>
+                <a:cs typeface="+mn-cs"/>
+              </a:defRPr>
+            </a:lvl5pPr>
+            <a:lvl6pPr marL="1673352" indent="-228600" algn="l" rtl="0" eaLnBrk="1" latinLnBrk="0" hangingPunct="1">
+              <a:spcBef>
+                <a:spcPct val="20000"/>
+              </a:spcBef>
+              <a:buClr>
+                <a:schemeClr val="accent6"/>
+              </a:buClr>
+              <a:buFont typeface="Wingdings 2"/>
+              <a:buChar char=""/>
+              <a:defRPr sz="1800" kern="1200">
+                <a:solidFill>
+                  <a:schemeClr val="tx1"/>
+                </a:solidFill>
+                <a:latin typeface="+mn-lt"/>
+                <a:ea typeface="+mn-ea"/>
+                <a:cs typeface="+mn-cs"/>
+              </a:defRPr>
+            </a:lvl6pPr>
+            <a:lvl7pPr marL="1911096" indent="-228600" algn="l" rtl="0" eaLnBrk="1" latinLnBrk="0" hangingPunct="1">
+              <a:spcBef>
+                <a:spcPct val="20000"/>
+              </a:spcBef>
+              <a:buClr>
+                <a:schemeClr val="tx2"/>
+              </a:buClr>
+              <a:buFont typeface="Wingdings 2"/>
+              <a:buChar char=""/>
+              <a:defRPr sz="1600" kern="1200">
+                <a:solidFill>
+                  <a:schemeClr val="tx1"/>
+                </a:solidFill>
+                <a:latin typeface="+mn-lt"/>
+                <a:ea typeface="+mn-ea"/>
+                <a:cs typeface="+mn-cs"/>
+              </a:defRPr>
+            </a:lvl7pPr>
+            <a:lvl8pPr marL="2121408" indent="-182880" algn="l" rtl="0" eaLnBrk="1" latinLnBrk="0" hangingPunct="1">
+              <a:spcBef>
+                <a:spcPct val="20000"/>
+              </a:spcBef>
+              <a:buClr>
+                <a:schemeClr val="tx2"/>
+              </a:buClr>
+              <a:buFont typeface="Wingdings 2"/>
+              <a:buChar char=""/>
+              <a:defRPr sz="1400" kern="1200">
+                <a:solidFill>
+                  <a:schemeClr val="tx1"/>
+                </a:solidFill>
+                <a:latin typeface="+mn-lt"/>
+                <a:ea typeface="+mn-ea"/>
+                <a:cs typeface="+mn-cs"/>
+              </a:defRPr>
+            </a:lvl8pPr>
+            <a:lvl9pPr marL="2322576" indent="-182880" algn="l" rtl="0" eaLnBrk="1" latinLnBrk="0" hangingPunct="1">
+              <a:spcBef>
+                <a:spcPct val="20000"/>
+              </a:spcBef>
+              <a:buClr>
+                <a:schemeClr val="tx2"/>
+              </a:buClr>
+              <a:buFont typeface="Wingdings 2"/>
+              <a:buChar char=""/>
+              <a:defRPr sz="1400" kern="1200">
+                <a:solidFill>
+                  <a:schemeClr val="tx1"/>
+                </a:solidFill>
+                <a:latin typeface="+mn-lt"/>
+                <a:ea typeface="+mn-ea"/>
+                <a:cs typeface="+mn-cs"/>
+              </a:defRPr>
+            </a:lvl9pPr>
+          </a:lstStyle>
+          <a:p>
+            <a:r>
+              <a:rPr lang="en-US" dirty="0" smtClean="0">
+                <a:hlinkClick r:id="rId4"/>
+              </a:rPr>
+              <a:t>http://academy.telerik.com</a:t>
+            </a:r>
+            <a:r>
+              <a:rPr lang="en-US" dirty="0" smtClean="0"/>
+              <a:t> </a:t>
+            </a:r>
+            <a:endParaRPr lang="en-US" dirty="0"/>
+          </a:p>
+        </p:txBody>
+      </p:sp>
+      <p:sp>
+        <p:nvSpPr>
+          <p:cNvPr id="9" name="Text Placeholder 13"/>
+          <p:cNvSpPr>
+            <a:spLocks noGrp="1"/>
+          </p:cNvSpPr>
+          <p:nvPr/>
+        </p:nvSpPr>
+        <p:spPr>
+          <a:xfrm>
+            <a:off x="429087" y="5352025"/>
+            <a:ext cx="3293515" cy="461665"/>
+          </a:xfrm>
+          <a:prstGeom prst="rect">
+            <a:avLst/>
+          </a:prstGeom>
+          <a:noFill/>
+        </p:spPr>
+        <p:txBody>
+          <a:bodyPr wrap="square" rtlCol="0">
+            <a:spAutoFit/>
+          </a:bodyPr>
+          <a:lstStyle>
+            <a:lvl1pPr marL="0" indent="0" algn="l" rtl="0" eaLnBrk="0" fontAlgn="base" hangingPunct="0">
+              <a:spcBef>
+                <a:spcPct val="20000"/>
+              </a:spcBef>
+              <a:spcAft>
+                <a:spcPct val="0"/>
+              </a:spcAft>
+              <a:buClr>
+                <a:schemeClr val="accent5">
+                  <a:lumMod val="40000"/>
+                  <a:lumOff val="60000"/>
+                </a:schemeClr>
+              </a:buClr>
+              <a:buSzPct val="70000"/>
+              <a:buFont typeface="Wingdings 2" pitchFamily="18" charset="2"/>
+              <a:buNone/>
+              <a:defRPr lang="en-US" sz="2400" b="1" kern="1200" dirty="0">
+                <a:solidFill>
+                  <a:schemeClr val="tx2">
+                    <a:lumMod val="50000"/>
+                  </a:schemeClr>
+                </a:solidFill>
+                <a:effectLst>
+                  <a:outerShdw blurRad="38100" dist="38100" dir="2700000" algn="tl">
+                    <a:srgbClr val="000000">
+                      <a:alpha val="43137"/>
+                    </a:srgbClr>
+                  </a:outerShdw>
+                </a:effectLst>
+                <a:latin typeface="Corbel" pitchFamily="34" charset="0"/>
+                <a:ea typeface="+mn-ea"/>
+                <a:cs typeface="+mn-cs"/>
+              </a:defRPr>
+            </a:lvl1pPr>
+            <a:lvl2pPr marL="630238" indent="-273050" algn="l" rtl="0" eaLnBrk="0" fontAlgn="base" hangingPunct="0">
+              <a:spcBef>
+                <a:spcPct val="20000"/>
+              </a:spcBef>
+              <a:spcAft>
+                <a:spcPct val="0"/>
+              </a:spcAft>
+              <a:buClr>
+                <a:schemeClr val="accent2">
+                  <a:lumMod val="60000"/>
+                  <a:lumOff val="40000"/>
+                </a:schemeClr>
+              </a:buClr>
+              <a:buFont typeface="Wingdings 2" pitchFamily="18" charset="2"/>
+              <a:buChar char=""/>
+              <a:defRPr sz="3000" b="1" kern="1200">
+                <a:solidFill>
+                  <a:schemeClr val="tx1">
+                    <a:lumMod val="20000"/>
+                    <a:lumOff val="80000"/>
+                  </a:schemeClr>
+                </a:solidFill>
+                <a:effectLst>
+                  <a:outerShdw blurRad="38100" dist="38100" dir="2700000" algn="tl">
+                    <a:srgbClr val="000000">
+                      <a:alpha val="43137"/>
+                    </a:srgbClr>
+                  </a:outerShdw>
+                </a:effectLst>
+                <a:latin typeface="+mn-lt"/>
+                <a:ea typeface="+mn-ea"/>
+                <a:cs typeface="+mn-cs"/>
+              </a:defRPr>
+            </a:lvl2pPr>
+            <a:lvl3pPr marL="922338" indent="-273050" algn="l" rtl="0" eaLnBrk="0" fontAlgn="base" hangingPunct="0">
+              <a:spcBef>
+                <a:spcPct val="20000"/>
+              </a:spcBef>
+              <a:spcAft>
+                <a:spcPct val="0"/>
+              </a:spcAft>
+              <a:buClr>
+                <a:schemeClr val="tx1">
+                  <a:lumMod val="50000"/>
+                </a:schemeClr>
+              </a:buClr>
+              <a:buFont typeface="Wingdings 2" pitchFamily="18" charset="2"/>
+              <a:buChar char=""/>
+              <a:defRPr sz="2800" b="1" kern="1200">
+                <a:solidFill>
+                  <a:schemeClr val="tx1">
+                    <a:lumMod val="20000"/>
+                    <a:lumOff val="80000"/>
+                  </a:schemeClr>
+                </a:solidFill>
+                <a:effectLst>
+                  <a:outerShdw blurRad="38100" dist="38100" dir="2700000" algn="tl">
+                    <a:srgbClr val="000000">
+                      <a:alpha val="43137"/>
+                    </a:srgbClr>
+                  </a:outerShdw>
+                </a:effectLst>
+                <a:latin typeface="+mn-lt"/>
+                <a:ea typeface="+mn-ea"/>
+                <a:cs typeface="+mn-cs"/>
+              </a:defRPr>
+            </a:lvl3pPr>
+            <a:lvl4pPr marL="1187450" indent="-228600" algn="l" rtl="0" eaLnBrk="0" fontAlgn="base" hangingPunct="0">
+              <a:spcBef>
+                <a:spcPct val="20000"/>
+              </a:spcBef>
+              <a:spcAft>
+                <a:spcPct val="0"/>
+              </a:spcAft>
+              <a:buClr>
+                <a:srgbClr val="F8BD52"/>
+              </a:buClr>
+              <a:buFont typeface="Wingdings 2" pitchFamily="18" charset="2"/>
+              <a:buChar char=""/>
+              <a:defRPr sz="2600" b="1" kern="1200">
+                <a:solidFill>
+                  <a:schemeClr val="tx1">
+                    <a:lumMod val="20000"/>
+                    <a:lumOff val="80000"/>
+                  </a:schemeClr>
+                </a:solidFill>
+                <a:effectLst>
+                  <a:outerShdw blurRad="38100" dist="38100" dir="2700000" algn="tl">
+                    <a:srgbClr val="000000">
+                      <a:alpha val="43137"/>
+                    </a:srgbClr>
+                  </a:outerShdw>
+                </a:effectLst>
+                <a:latin typeface="+mn-lt"/>
+                <a:ea typeface="+mn-ea"/>
+                <a:cs typeface="+mn-cs"/>
+              </a:defRPr>
+            </a:lvl4pPr>
+            <a:lvl5pPr marL="1425575" indent="-228600" algn="l" rtl="0" eaLnBrk="0" fontAlgn="base" hangingPunct="0">
+              <a:spcBef>
+                <a:spcPct val="20000"/>
+              </a:spcBef>
+              <a:spcAft>
+                <a:spcPct val="0"/>
+              </a:spcAft>
+              <a:buClr>
+                <a:srgbClr val="46A6BD"/>
+              </a:buClr>
+              <a:buFont typeface="Wingdings 2" pitchFamily="18" charset="2"/>
+              <a:buChar char=""/>
+              <a:defRPr sz="2400" b="1" kern="1200">
+                <a:solidFill>
+                  <a:schemeClr val="tx1">
+                    <a:lumMod val="20000"/>
+                    <a:lumOff val="80000"/>
+                  </a:schemeClr>
+                </a:solidFill>
+                <a:effectLst>
+                  <a:outerShdw blurRad="38100" dist="38100" dir="2700000" algn="tl">
+                    <a:srgbClr val="000000">
+                      <a:alpha val="43137"/>
+                    </a:srgbClr>
+                  </a:outerShdw>
+                </a:effectLst>
+                <a:latin typeface="+mn-lt"/>
+                <a:ea typeface="+mn-ea"/>
+                <a:cs typeface="+mn-cs"/>
+              </a:defRPr>
+            </a:lvl5pPr>
+            <a:lvl6pPr marL="1673352" indent="-228600" algn="l" rtl="0" eaLnBrk="1" latinLnBrk="0" hangingPunct="1">
+              <a:spcBef>
+                <a:spcPct val="20000"/>
+              </a:spcBef>
+              <a:buClr>
+                <a:schemeClr val="accent6"/>
+              </a:buClr>
+              <a:buFont typeface="Wingdings 2"/>
+              <a:buChar char=""/>
+              <a:defRPr sz="1800" kern="1200">
+                <a:solidFill>
+                  <a:schemeClr val="tx1"/>
+                </a:solidFill>
+                <a:latin typeface="+mn-lt"/>
+                <a:ea typeface="+mn-ea"/>
+                <a:cs typeface="+mn-cs"/>
+              </a:defRPr>
+            </a:lvl6pPr>
+            <a:lvl7pPr marL="1911096" indent="-228600" algn="l" rtl="0" eaLnBrk="1" latinLnBrk="0" hangingPunct="1">
+              <a:spcBef>
+                <a:spcPct val="20000"/>
+              </a:spcBef>
+              <a:buClr>
+                <a:schemeClr val="tx2"/>
+              </a:buClr>
+              <a:buFont typeface="Wingdings 2"/>
+              <a:buChar char=""/>
+              <a:defRPr sz="1600" kern="1200">
+                <a:solidFill>
+                  <a:schemeClr val="tx1"/>
+                </a:solidFill>
+                <a:latin typeface="+mn-lt"/>
+                <a:ea typeface="+mn-ea"/>
+                <a:cs typeface="+mn-cs"/>
+              </a:defRPr>
+            </a:lvl7pPr>
+            <a:lvl8pPr marL="2121408" indent="-182880" algn="l" rtl="0" eaLnBrk="1" latinLnBrk="0" hangingPunct="1">
+              <a:spcBef>
+                <a:spcPct val="20000"/>
+              </a:spcBef>
+              <a:buClr>
+                <a:schemeClr val="tx2"/>
+              </a:buClr>
+              <a:buFont typeface="Wingdings 2"/>
+              <a:buChar char=""/>
+              <a:defRPr sz="1400" kern="1200">
+                <a:solidFill>
+                  <a:schemeClr val="tx1"/>
+                </a:solidFill>
+                <a:latin typeface="+mn-lt"/>
+                <a:ea typeface="+mn-ea"/>
+                <a:cs typeface="+mn-cs"/>
+              </a:defRPr>
+            </a:lvl8pPr>
+            <a:lvl9pPr marL="2322576" indent="-182880" algn="l" rtl="0" eaLnBrk="1" latinLnBrk="0" hangingPunct="1">
+              <a:spcBef>
+                <a:spcPct val="20000"/>
+              </a:spcBef>
+              <a:buClr>
+                <a:schemeClr val="tx2"/>
+              </a:buClr>
+              <a:buFont typeface="Wingdings 2"/>
+              <a:buChar char=""/>
+              <a:defRPr sz="1400" kern="1200">
+                <a:solidFill>
+                  <a:schemeClr val="tx1"/>
+                </a:solidFill>
+                <a:latin typeface="+mn-lt"/>
+                <a:ea typeface="+mn-ea"/>
+                <a:cs typeface="+mn-cs"/>
+              </a:defRPr>
+            </a:lvl9pPr>
+          </a:lstStyle>
+          <a:p>
+            <a:r>
+              <a:rPr lang="en-US" dirty="0" smtClean="0"/>
+              <a:t>CSS</a:t>
+            </a:r>
+          </a:p>
+        </p:txBody>
+      </p:sp>
     </p:spTree>
     <p:extLst>
       <p:ext uri="{BB962C8B-B14F-4D97-AF65-F5344CB8AC3E}">
@@ -16087,9 +16925,14 @@
   <p:clrMapOvr>
     <a:masterClrMapping/>
   </p:clrMapOvr>
-  <p:transition spd="slow">
-    <p:push dir="u"/>
-  </p:transition>
+  <mc:AlternateContent xmlns:mc="http://schemas.openxmlformats.org/markup-compatibility/2006">
+    <mc:Choice xmlns:p14="http://schemas.microsoft.com/office/powerpoint/2010/main" Requires="p14">
+      <p:transition p14:dur="0"/>
+    </mc:Choice>
+    <mc:Fallback>
+      <p:transition/>
+    </mc:Fallback>
+  </mc:AlternateContent>
   <p:timing>
     <p:tnLst>
       <p:par>
@@ -16209,7 +17052,7 @@
       </p:grpSpPr>
       <p:sp>
         <p:nvSpPr>
-          <p:cNvPr id="4" name="Title 3"/>
+          <p:cNvPr id="3" name="Title 2"/>
           <p:cNvSpPr>
             <a:spLocks noGrp="1"/>
           </p:cNvSpPr>
@@ -16223,16 +17066,16 @@
           <a:lstStyle/>
           <a:p>
             <a:r>
-              <a:rPr lang="en-US" dirty="0" smtClean="0"/>
-              <a:t>Homework</a:t>
-            </a:r>
-            <a:endParaRPr lang="en-US" dirty="0"/>
+              <a:rPr lang="en-US" sz="3600" dirty="0" smtClean="0"/>
+              <a:t>Free Trainings @ Telerik Academy</a:t>
+            </a:r>
+            <a:endParaRPr lang="en-US" sz="3600" dirty="0"/>
           </a:p>
         </p:txBody>
       </p:sp>
       <p:sp>
         <p:nvSpPr>
-          <p:cNvPr id="5" name="Content Placeholder 4"/>
+          <p:cNvPr id="4" name="Content Placeholder 3"/>
           <p:cNvSpPr>
             <a:spLocks noGrp="1"/>
           </p:cNvSpPr>
@@ -16245,398 +17088,423 @@
           <a:bodyPr/>
           <a:lstStyle/>
           <a:p>
-            <a:pPr marL="347663" indent="-347663">
-              <a:buFont typeface="+mj-lt"/>
-              <a:buAutoNum type="arabicPeriod"/>
+            <a:r>
+              <a:rPr lang="en-US" dirty="0" smtClean="0"/>
+              <a:t>"Web Design with HTML </a:t>
+            </a:r>
+            <a:r>
+              <a:rPr lang="en-US" dirty="0" smtClean="0">
+                <a:latin typeface="Consolas" pitchFamily="49" charset="0"/>
+                <a:cs typeface="Consolas" pitchFamily="49" charset="0"/>
+              </a:rPr>
+              <a:t>5</a:t>
+            </a:r>
+            <a:r>
+              <a:rPr lang="en-US" dirty="0" smtClean="0"/>
+              <a:t>, CSS </a:t>
+            </a:r>
+            <a:r>
+              <a:rPr lang="en-US" dirty="0" smtClean="0">
+                <a:latin typeface="Consolas" pitchFamily="49" charset="0"/>
+                <a:cs typeface="Consolas" pitchFamily="49" charset="0"/>
+              </a:rPr>
+              <a:t>3</a:t>
+            </a:r>
+            <a:r>
+              <a:rPr lang="en-US" dirty="0" smtClean="0"/>
+              <a:t> and JavaScript" course @ Telerik Academy</a:t>
+            </a:r>
+          </a:p>
+          <a:p>
+            <a:pPr marL="574675" lvl="2" indent="-282575">
+              <a:buClr>
+                <a:schemeClr val="accent5">
+                  <a:lumMod val="40000"/>
+                  <a:lumOff val="60000"/>
+                </a:schemeClr>
+              </a:buClr>
+              <a:buSzPct val="70000"/>
+              <a:buFont typeface="Wingdings 2" pitchFamily="18" charset="2"/>
+              <a:buChar char=""/>
+              <a:tabLst>
+                <a:tab pos="282575" algn="l"/>
+              </a:tabLst>
             </a:pPr>
             <a:r>
-              <a:rPr lang="en-US" sz="2800" dirty="0" smtClean="0"/>
-              <a:t>Create the following web page</a:t>
-            </a:r>
-          </a:p>
-          <a:p>
-            <a:pPr lvl="1"/>
-            <a:r>
-              <a:rPr lang="en-US" sz="2600" dirty="0" smtClean="0"/>
-              <a:t>Fonts used: </a:t>
-            </a:r>
-            <a:r>
-              <a:rPr lang="en-US" sz="2600" dirty="0" smtClean="0">
-                <a:solidFill>
-                  <a:schemeClr val="accent5">
-                    <a:lumMod val="20000"/>
-                    <a:lumOff val="80000"/>
-                  </a:schemeClr>
-                </a:solidFill>
+              <a:rPr lang="en-US" noProof="1" smtClean="0">
+                <a:hlinkClick r:id="rId2" tooltip="&quot;Web Design with HTML 5, CSS 3 and JavaScript&quot; course @ Telerik Academy"/>
               </a:rPr>
-              <a:t>Consolas</a:t>
-            </a:r>
-            <a:r>
-              <a:rPr lang="en-US" sz="2600" dirty="0" smtClean="0"/>
-              <a:t>, </a:t>
-            </a:r>
-            <a:r>
-              <a:rPr lang="en-US" sz="2600" dirty="0">
-                <a:solidFill>
-                  <a:schemeClr val="accent5">
-                    <a:lumMod val="20000"/>
-                    <a:lumOff val="80000"/>
-                  </a:schemeClr>
-                </a:solidFill>
+              <a:t>html5course.telerik.com</a:t>
+            </a:r>
+            <a:endParaRPr lang="en-US" noProof="1" smtClean="0"/>
+          </a:p>
+          <a:p>
+            <a:pPr marL="282575" lvl="1" indent="-282575">
+              <a:spcBef>
+                <a:spcPts val="1200"/>
+              </a:spcBef>
+              <a:buClr>
+                <a:schemeClr val="accent5">
+                  <a:lumMod val="40000"/>
+                  <a:lumOff val="60000"/>
+                </a:schemeClr>
+              </a:buClr>
+              <a:buSzPct val="70000"/>
+              <a:buFont typeface="Wingdings 2" pitchFamily="18" charset="2"/>
+              <a:buChar char=""/>
+              <a:tabLst>
+                <a:tab pos="282575" algn="l"/>
+              </a:tabLst>
+            </a:pPr>
+            <a:r>
+              <a:rPr lang="en-US" dirty="0" smtClean="0"/>
+              <a:t>Telerik Software Academy</a:t>
+            </a:r>
+          </a:p>
+          <a:p>
+            <a:pPr marL="574675" lvl="2" indent="-282575">
+              <a:buClr>
+                <a:schemeClr val="accent5">
+                  <a:lumMod val="40000"/>
+                  <a:lumOff val="60000"/>
+                </a:schemeClr>
+              </a:buClr>
+              <a:buSzPct val="70000"/>
+              <a:buFont typeface="Wingdings 2" pitchFamily="18" charset="2"/>
+              <a:buChar char=""/>
+              <a:tabLst>
+                <a:tab pos="282575" algn="l"/>
+              </a:tabLst>
+            </a:pPr>
+            <a:r>
+              <a:rPr lang="en-US" noProof="1" smtClean="0">
+                <a:hlinkClick r:id="rId3" tooltip="Telerik Software Academy - Free Programming Courses"/>
               </a:rPr>
-              <a:t>Edwardian Script </a:t>
-            </a:r>
-            <a:r>
-              <a:rPr lang="en-US" sz="2600" dirty="0" smtClean="0">
-                <a:solidFill>
-                  <a:schemeClr val="accent5">
-                    <a:lumMod val="20000"/>
-                    <a:lumOff val="80000"/>
-                  </a:schemeClr>
-                </a:solidFill>
+              <a:t>academy.telerik.com</a:t>
+            </a:r>
+            <a:endParaRPr lang="en-US" noProof="1" smtClean="0"/>
+          </a:p>
+          <a:p>
+            <a:pPr marL="282575" lvl="1" indent="-282575">
+              <a:spcBef>
+                <a:spcPts val="1200"/>
+              </a:spcBef>
+              <a:buClr>
+                <a:schemeClr val="accent5">
+                  <a:lumMod val="40000"/>
+                  <a:lumOff val="60000"/>
+                </a:schemeClr>
+              </a:buClr>
+              <a:buSzPct val="70000"/>
+              <a:buFont typeface="Wingdings 2" pitchFamily="18" charset="2"/>
+              <a:buChar char=""/>
+              <a:tabLst>
+                <a:tab pos="282575" algn="l"/>
+              </a:tabLst>
+            </a:pPr>
+            <a:r>
+              <a:rPr lang="en-US" dirty="0" smtClean="0"/>
+              <a:t>Telerik Academy @ Facebook</a:t>
+            </a:r>
+          </a:p>
+          <a:p>
+            <a:pPr marL="574675" lvl="2" indent="-282575">
+              <a:buClr>
+                <a:schemeClr val="accent5">
+                  <a:lumMod val="40000"/>
+                  <a:lumOff val="60000"/>
+                </a:schemeClr>
+              </a:buClr>
+              <a:buSzPct val="70000"/>
+              <a:buFont typeface="Wingdings 2" pitchFamily="18" charset="2"/>
+              <a:buChar char=""/>
+              <a:tabLst>
+                <a:tab pos="282575" algn="l"/>
+              </a:tabLst>
+            </a:pPr>
+            <a:r>
+              <a:rPr lang="en-US" noProof="1" smtClean="0">
+                <a:hlinkClick r:id="rId4" tooltip="Telerik Softyware Academy @ Facebook"/>
               </a:rPr>
-              <a:t>ITC</a:t>
-            </a:r>
-          </a:p>
-          <a:p>
-            <a:pPr lvl="1"/>
-            <a:r>
-              <a:rPr lang="en-US" sz="2600" dirty="0" smtClean="0"/>
-              <a:t>Color: </a:t>
-            </a:r>
-            <a:r>
-              <a:rPr lang="en-US" sz="2600" dirty="0" smtClean="0">
-                <a:solidFill>
-                  <a:schemeClr val="accent5">
-                    <a:lumMod val="20000"/>
-                    <a:lumOff val="80000"/>
-                  </a:schemeClr>
-                </a:solidFill>
+              <a:t>facebook.com/TelerikAcademy</a:t>
+            </a:r>
+            <a:endParaRPr lang="en-US" noProof="1" smtClean="0"/>
+          </a:p>
+          <a:p>
+            <a:pPr marL="282575" lvl="1" indent="-282575">
+              <a:spcBef>
+                <a:spcPts val="1200"/>
+              </a:spcBef>
+              <a:buClr>
+                <a:schemeClr val="accent5">
+                  <a:lumMod val="40000"/>
+                  <a:lumOff val="60000"/>
+                </a:schemeClr>
+              </a:buClr>
+              <a:buSzPct val="70000"/>
+              <a:buFont typeface="Wingdings 2" pitchFamily="18" charset="2"/>
+              <a:buChar char=""/>
+              <a:tabLst>
+                <a:tab pos="282575" algn="l"/>
+              </a:tabLst>
+            </a:pPr>
+            <a:r>
+              <a:rPr lang="en-US" dirty="0" smtClean="0"/>
+              <a:t>Telerik Software Academy Forums</a:t>
+            </a:r>
+          </a:p>
+          <a:p>
+            <a:pPr marL="574675" lvl="2" indent="-282575">
+              <a:buClr>
+                <a:schemeClr val="accent5">
+                  <a:lumMod val="40000"/>
+                  <a:lumOff val="60000"/>
+                </a:schemeClr>
+              </a:buClr>
+              <a:buSzPct val="70000"/>
+              <a:buFont typeface="Wingdings 2" pitchFamily="18" charset="2"/>
+              <a:buChar char=""/>
+              <a:tabLst>
+                <a:tab pos="282575" algn="l"/>
+              </a:tabLst>
+            </a:pPr>
+            <a:r>
+              <a:rPr lang="en-US" noProof="1" smtClean="0">
+                <a:hlinkClick r:id="rId5" tooltip="Telerik Software Academy Forums - Community for Programmers"/>
               </a:rPr>
-              <a:t>#</a:t>
-            </a:r>
-            <a:r>
-              <a:rPr lang="en-US" sz="2600" dirty="0">
-                <a:solidFill>
-                  <a:schemeClr val="accent5">
-                    <a:lumMod val="20000"/>
-                    <a:lumOff val="80000"/>
-                  </a:schemeClr>
-                </a:solidFill>
-              </a:rPr>
-              <a:t>0094ff</a:t>
-            </a:r>
+              <a:t>forums.academy.telerik.com</a:t>
+            </a:r>
+            <a:endParaRPr lang="en-US" noProof="1"/>
           </a:p>
         </p:txBody>
       </p:sp>
       <p:pic>
         <p:nvPicPr>
-          <p:cNvPr id="7" name="Picture 6"/>
+          <p:cNvPr id="5" name="Picture 5">
+            <a:hlinkClick r:id="rId5" tooltip="Telerik Software Academy Forums - Discussion Board for Developers"/>
+          </p:cNvPr>
           <p:cNvPicPr>
-            <a:picLocks noChangeAspect="1"/>
+            <a:picLocks noChangeAspect="1" noChangeArrowheads="1"/>
           </p:cNvPicPr>
           <p:nvPr/>
         </p:nvPicPr>
         <p:blipFill>
-          <a:blip r:embed="rId2" cstate="screen">
+          <a:blip r:embed="rId6">
             <a:extLst>
               <a:ext uri="{28A0092B-C50C-407E-A947-70E740481C1C}">
                 <a14:useLocalDpi xmlns:a14="http://schemas.microsoft.com/office/drawing/2010/main"/>
               </a:ext>
             </a:extLst>
           </a:blip>
+          <a:srcRect/>
           <a:stretch>
             <a:fillRect/>
           </a:stretch>
         </p:blipFill>
-        <p:spPr>
+        <p:spPr bwMode="auto">
           <a:xfrm>
-            <a:off x="1399586" y="2865120"/>
-            <a:ext cx="6344828" cy="3480816"/>
+            <a:off x="7372349" y="5029200"/>
+            <a:ext cx="1466851" cy="1600200"/>
           </a:xfrm>
           <a:prstGeom prst="rect">
             <a:avLst/>
           </a:prstGeom>
+          <a:noFill/>
+          <a:ln>
+            <a:noFill/>
+          </a:ln>
+          <a:effectLst/>
+          <a:extLst>
+            <a:ext uri="{909E8E84-426E-40DD-AFC4-6F175D3DCCD1}">
+              <a14:hiddenFill xmlns:a14="http://schemas.microsoft.com/office/drawing/2010/main">
+                <a:solidFill>
+                  <a:schemeClr val="accent1"/>
+                </a:solidFill>
+              </a14:hiddenFill>
+            </a:ext>
+            <a:ext uri="{91240B29-F687-4F45-9708-019B960494DF}">
+              <a14:hiddenLine xmlns:a14="http://schemas.microsoft.com/office/drawing/2010/main" w="9525">
+                <a:solidFill>
+                  <a:schemeClr val="tx1"/>
+                </a:solidFill>
+                <a:miter lim="800000"/>
+                <a:headEnd/>
+                <a:tailEnd/>
+              </a14:hiddenLine>
+            </a:ext>
+            <a:ext uri="{AF507438-7753-43E0-B8FC-AC1667EBCBE1}">
+              <a14:hiddenEffects xmlns:a14="http://schemas.microsoft.com/office/drawing/2010/main">
+                <a:effectLst>
+                  <a:outerShdw dist="35921" dir="2700000" algn="ctr" rotWithShape="0">
+                    <a:schemeClr val="bg2"/>
+                  </a:outerShdw>
+                </a:effectLst>
+              </a14:hiddenEffects>
+            </a:ext>
+          </a:extLst>
         </p:spPr>
       </p:pic>
-    </p:spTree>
-    <p:extLst>
-      <p:ext uri="{BB962C8B-B14F-4D97-AF65-F5344CB8AC3E}">
-        <p14:creationId xmlns:p14="http://schemas.microsoft.com/office/powerpoint/2010/main" val="167402217"/>
-      </p:ext>
-    </p:extLst>
-  </p:cSld>
-  <p:clrMapOvr>
-    <a:masterClrMapping/>
-  </p:clrMapOvr>
-  <p:timing>
-    <p:tnLst>
-      <p:par>
-        <p:cTn id="1" dur="indefinite" restart="never" nodeType="tmRoot"/>
-      </p:par>
-    </p:tnLst>
-  </p:timing>
-</p:sld>
-</file>
-
-<file path=ppt/slides/slide38.xml><?xml version="1.0" encoding="utf-8"?>
-<p:sld xmlns:a="http://schemas.openxmlformats.org/drawingml/2006/main" xmlns:r="http://schemas.openxmlformats.org/officeDocument/2006/relationships" xmlns:p="http://schemas.openxmlformats.org/presentationml/2006/main">
-  <p:cSld>
-    <p:spTree>
-      <p:nvGrpSpPr>
-        <p:cNvPr id="1" name=""/>
-        <p:cNvGrpSpPr/>
-        <p:nvPr/>
-      </p:nvGrpSpPr>
-      <p:grpSpPr>
-        <a:xfrm>
-          <a:off x="0" y="0"/>
-          <a:ext cx="0" cy="0"/>
-          <a:chOff x="0" y="0"/>
-          <a:chExt cx="0" cy="0"/>
-        </a:xfrm>
-      </p:grpSpPr>
-      <p:sp>
-        <p:nvSpPr>
-          <p:cNvPr id="2" name="Title 1"/>
-          <p:cNvSpPr>
-            <a:spLocks noGrp="1"/>
-          </p:cNvSpPr>
-          <p:nvPr>
-            <p:ph type="title"/>
-          </p:nvPr>
-        </p:nvSpPr>
-        <p:spPr/>
-        <p:txBody>
-          <a:bodyPr/>
-          <a:lstStyle/>
-          <a:p>
-            <a:r>
-              <a:rPr lang="en-US" dirty="0" smtClean="0"/>
-              <a:t>Homework (2)</a:t>
-            </a:r>
-            <a:endParaRPr lang="en-US" dirty="0"/>
-          </a:p>
-        </p:txBody>
-      </p:sp>
-      <p:sp>
-        <p:nvSpPr>
-          <p:cNvPr id="3" name="Content Placeholder 2"/>
-          <p:cNvSpPr>
-            <a:spLocks noGrp="1"/>
-          </p:cNvSpPr>
-          <p:nvPr>
-            <p:ph idx="1"/>
-          </p:nvPr>
-        </p:nvSpPr>
-        <p:spPr>
-          <a:xfrm>
-            <a:off x="228600" y="758952"/>
-            <a:ext cx="8686800" cy="1965960"/>
-          </a:xfrm>
-        </p:spPr>
-        <p:txBody>
-          <a:bodyPr/>
-          <a:lstStyle/>
-          <a:p>
-            <a:r>
-              <a:rPr lang="en-US" sz="2800" dirty="0" smtClean="0"/>
-              <a:t>You are given prewritten HTML and CSS code</a:t>
-            </a:r>
-            <a:r>
-              <a:rPr lang="en-US" sz="2600" dirty="0" smtClean="0"/>
-              <a:t>. Expand this code to make the web page to look exactly like the PNG image:</a:t>
-            </a:r>
-          </a:p>
-          <a:p>
-            <a:pPr lvl="1"/>
-            <a:r>
-              <a:rPr lang="en-US" sz="2600" dirty="0" smtClean="0"/>
-              <a:t>You can find the files in 2. Homework.zip</a:t>
-            </a:r>
-          </a:p>
-        </p:txBody>
-      </p:sp>
       <p:pic>
         <p:nvPicPr>
-          <p:cNvPr id="4" name="Picture 3"/>
+          <p:cNvPr id="1028" name="Picture 4">
+            <a:hlinkClick r:id="rId3" tooltip="Telerik Software Academy"/>
+          </p:cNvPr>
           <p:cNvPicPr>
-            <a:picLocks noChangeAspect="1"/>
+            <a:picLocks noChangeAspect="1" noChangeArrowheads="1"/>
           </p:cNvPicPr>
           <p:nvPr/>
         </p:nvPicPr>
         <p:blipFill>
-          <a:blip r:embed="rId2" cstate="screen">
+          <a:blip r:embed="rId7">
             <a:extLst>
               <a:ext uri="{28A0092B-C50C-407E-A947-70E740481C1C}">
                 <a14:useLocalDpi xmlns:a14="http://schemas.microsoft.com/office/drawing/2010/main"/>
               </a:ext>
             </a:extLst>
           </a:blip>
+          <a:srcRect/>
           <a:stretch>
             <a:fillRect/>
           </a:stretch>
         </p:blipFill>
-        <p:spPr>
+        <p:spPr bwMode="auto">
           <a:xfrm>
-            <a:off x="1749552" y="2948369"/>
-            <a:ext cx="5629656" cy="3518534"/>
+            <a:off x="5548941" y="2969616"/>
+            <a:ext cx="3137859" cy="918234"/>
           </a:xfrm>
           <a:prstGeom prst="rect">
             <a:avLst/>
           </a:prstGeom>
+          <a:noFill/>
+          <a:ln>
+            <a:solidFill>
+              <a:srgbClr val="9BCC00"/>
+            </a:solidFill>
+          </a:ln>
+          <a:extLst>
+            <a:ext uri="{909E8E84-426E-40DD-AFC4-6F175D3DCCD1}">
+              <a14:hiddenFill xmlns:a14="http://schemas.microsoft.com/office/drawing/2010/main">
+                <a:solidFill>
+                  <a:srgbClr val="FFFFFF"/>
+                </a:solidFill>
+              </a14:hiddenFill>
+            </a:ext>
+          </a:extLst>
         </p:spPr>
       </p:pic>
-    </p:spTree>
-    <p:extLst>
-      <p:ext uri="{BB962C8B-B14F-4D97-AF65-F5344CB8AC3E}">
-        <p14:creationId xmlns:p14="http://schemas.microsoft.com/office/powerpoint/2010/main" val="4045230074"/>
-      </p:ext>
-    </p:extLst>
-  </p:cSld>
-  <p:clrMapOvr>
-    <a:masterClrMapping/>
-  </p:clrMapOvr>
-  <p:timing>
-    <p:tnLst>
-      <p:par>
-        <p:cTn id="1" dur="indefinite" restart="never" nodeType="tmRoot"/>
-      </p:par>
-    </p:tnLst>
-  </p:timing>
-</p:sld>
-</file>
-
-<file path=ppt/slides/slide39.xml><?xml version="1.0" encoding="utf-8"?>
-<p:sld xmlns:a="http://schemas.openxmlformats.org/drawingml/2006/main" xmlns:r="http://schemas.openxmlformats.org/officeDocument/2006/relationships" xmlns:p="http://schemas.openxmlformats.org/presentationml/2006/main">
-  <p:cSld>
-    <p:spTree>
-      <p:nvGrpSpPr>
-        <p:cNvPr id="1" name=""/>
-        <p:cNvGrpSpPr/>
-        <p:nvPr/>
-      </p:nvGrpSpPr>
-      <p:grpSpPr>
-        <a:xfrm>
-          <a:off x="0" y="0"/>
-          <a:ext cx="0" cy="0"/>
-          <a:chOff x="0" y="0"/>
-          <a:chExt cx="0" cy="0"/>
-        </a:xfrm>
-      </p:grpSpPr>
-      <p:sp>
-        <p:nvSpPr>
-          <p:cNvPr id="4" name="Title 3"/>
-          <p:cNvSpPr>
-            <a:spLocks noGrp="1"/>
-          </p:cNvSpPr>
-          <p:nvPr>
-            <p:ph type="title"/>
-          </p:nvPr>
-        </p:nvSpPr>
-        <p:spPr/>
-        <p:txBody>
-          <a:bodyPr/>
-          <a:lstStyle/>
-          <a:p>
-            <a:r>
-              <a:rPr lang="en-US" dirty="0" smtClean="0"/>
-              <a:t>Homework (3)</a:t>
-            </a:r>
-            <a:endParaRPr lang="en-US" dirty="0"/>
-          </a:p>
-        </p:txBody>
-      </p:sp>
-      <p:sp>
-        <p:nvSpPr>
-          <p:cNvPr id="5" name="Content Placeholder 4"/>
-          <p:cNvSpPr>
-            <a:spLocks noGrp="1"/>
-          </p:cNvSpPr>
-          <p:nvPr>
-            <p:ph idx="1"/>
-          </p:nvPr>
-        </p:nvSpPr>
-        <p:spPr/>
-        <p:txBody>
-          <a:bodyPr/>
-          <a:lstStyle/>
-          <a:p>
-            <a:pPr marL="514350" indent="-514350">
-              <a:buFont typeface="+mj-lt"/>
-              <a:buAutoNum type="arabicPeriod" startAt="3"/>
-            </a:pPr>
-            <a:r>
-              <a:rPr lang="en-US" sz="2800" dirty="0" smtClean="0"/>
-              <a:t>Create the following web page</a:t>
-            </a:r>
-          </a:p>
-          <a:p>
-            <a:pPr marL="862013" lvl="1" indent="-514350"/>
-            <a:r>
-              <a:rPr lang="en-US" sz="2600" dirty="0" smtClean="0"/>
-              <a:t>Using </a:t>
-            </a:r>
-            <a:r>
-              <a:rPr lang="en-US" sz="2600" dirty="0" smtClean="0">
-                <a:latin typeface="Consolas" panose="020B0609020204030204" pitchFamily="49" charset="0"/>
-                <a:cs typeface="Consolas" panose="020B0609020204030204" pitchFamily="49" charset="0"/>
-              </a:rPr>
-              <a:t>60</a:t>
-            </a:r>
-            <a:r>
-              <a:rPr lang="en-US" sz="2600" dirty="0" smtClean="0">
-                <a:latin typeface="+mj-lt"/>
-                <a:cs typeface="Consolas" panose="020B0609020204030204" pitchFamily="49" charset="0"/>
-              </a:rPr>
-              <a:t> </a:t>
-            </a:r>
-            <a:r>
-              <a:rPr lang="en-US" sz="2600" dirty="0"/>
-              <a:t>nested </a:t>
-            </a:r>
-            <a:r>
-              <a:rPr lang="en-US" sz="2600" dirty="0" smtClean="0"/>
-              <a:t>div elements</a:t>
-            </a:r>
-            <a:endParaRPr lang="en-US" sz="2600" dirty="0"/>
-          </a:p>
-        </p:txBody>
-      </p:sp>
       <p:pic>
         <p:nvPicPr>
-          <p:cNvPr id="3" name="Picture 2"/>
+          <p:cNvPr id="1037" name="Picture 13">
+            <a:hlinkClick r:id="rId8" tooltip="Telerik Academy @ Facebook"/>
+          </p:cNvPr>
           <p:cNvPicPr>
-            <a:picLocks noChangeAspect="1"/>
+            <a:picLocks noChangeAspect="1" noChangeArrowheads="1"/>
           </p:cNvPicPr>
           <p:nvPr/>
         </p:nvPicPr>
         <p:blipFill>
-          <a:blip r:embed="rId2" cstate="screen">
+          <a:blip r:embed="rId9">
             <a:extLst>
               <a:ext uri="{28A0092B-C50C-407E-A947-70E740481C1C}">
                 <a14:useLocalDpi xmlns:a14="http://schemas.microsoft.com/office/drawing/2010/main"/>
               </a:ext>
             </a:extLst>
           </a:blip>
+          <a:srcRect/>
           <a:stretch>
             <a:fillRect/>
           </a:stretch>
         </p:blipFill>
-        <p:spPr>
+        <p:spPr bwMode="auto">
           <a:xfrm>
-            <a:off x="1729047" y="2187122"/>
-            <a:ext cx="5685906" cy="2801618"/>
+            <a:off x="6182100" y="4228275"/>
+            <a:ext cx="938213" cy="938213"/>
           </a:xfrm>
           <a:prstGeom prst="rect">
             <a:avLst/>
           </a:prstGeom>
+          <a:noFill/>
+          <a:ln>
+            <a:noFill/>
+          </a:ln>
+          <a:effectLst/>
+          <a:extLst>
+            <a:ext uri="{909E8E84-426E-40DD-AFC4-6F175D3DCCD1}">
+              <a14:hiddenFill xmlns:a14="http://schemas.microsoft.com/office/drawing/2010/main">
+                <a:solidFill>
+                  <a:schemeClr val="accent1"/>
+                </a:solidFill>
+              </a14:hiddenFill>
+            </a:ext>
+            <a:ext uri="{91240B29-F687-4F45-9708-019B960494DF}">
+              <a14:hiddenLine xmlns:a14="http://schemas.microsoft.com/office/drawing/2010/main" w="9525">
+                <a:solidFill>
+                  <a:schemeClr val="tx1"/>
+                </a:solidFill>
+                <a:miter lim="800000"/>
+                <a:headEnd/>
+                <a:tailEnd/>
+              </a14:hiddenLine>
+            </a:ext>
+            <a:ext uri="{AF507438-7753-43E0-B8FC-AC1667EBCBE1}">
+              <a14:hiddenEffects xmlns:a14="http://schemas.microsoft.com/office/drawing/2010/main">
+                <a:effectLst>
+                  <a:outerShdw dist="35921" dir="2700000" algn="ctr" rotWithShape="0">
+                    <a:schemeClr val="bg2"/>
+                  </a:outerShdw>
+                </a:effectLst>
+              </a14:hiddenEffects>
+            </a:ext>
+          </a:extLst>
+        </p:spPr>
+      </p:pic>
+      <p:pic>
+        <p:nvPicPr>
+          <p:cNvPr id="1026" name="Picture 2">
+            <a:hlinkClick r:id="rId2" tooltip="&quot;Web Design with HTML 5, CSS 3 and JavaScript&quot; course @ Telerik Academy"/>
+          </p:cNvPr>
+          <p:cNvPicPr>
+            <a:picLocks noChangeAspect="1" noChangeArrowheads="1"/>
+          </p:cNvPicPr>
+          <p:nvPr/>
+        </p:nvPicPr>
+        <p:blipFill>
+          <a:blip r:embed="rId10" cstate="screen">
+            <a:extLst>
+              <a:ext uri="{28A0092B-C50C-407E-A947-70E740481C1C}">
+                <a14:useLocalDpi xmlns:a14="http://schemas.microsoft.com/office/drawing/2010/main"/>
+              </a:ext>
+            </a:extLst>
+          </a:blip>
+          <a:srcRect/>
+          <a:stretch>
+            <a:fillRect/>
+          </a:stretch>
+        </p:blipFill>
+        <p:spPr bwMode="auto">
+          <a:xfrm>
+            <a:off x="7456499" y="1026915"/>
+            <a:ext cx="1230302" cy="979685"/>
+          </a:xfrm>
+          <a:prstGeom prst="rect">
+            <a:avLst/>
+          </a:prstGeom>
+          <a:noFill/>
+          <a:extLst>
+            <a:ext uri="{909E8E84-426E-40DD-AFC4-6F175D3DCCD1}">
+              <a14:hiddenFill xmlns:a14="http://schemas.microsoft.com/office/drawing/2010/main">
+                <a:solidFill>
+                  <a:srgbClr val="FFFFFF"/>
+                </a:solidFill>
+              </a14:hiddenFill>
+            </a:ext>
+          </a:extLst>
         </p:spPr>
       </p:pic>
     </p:spTree>
     <p:extLst>
       <p:ext uri="{BB962C8B-B14F-4D97-AF65-F5344CB8AC3E}">
-        <p14:creationId xmlns:p14="http://schemas.microsoft.com/office/powerpoint/2010/main" val="468215628"/>
+        <p14:creationId xmlns:p14="http://schemas.microsoft.com/office/powerpoint/2010/main" val="492306124"/>
       </p:ext>
     </p:extLst>
   </p:cSld>
@@ -17161,373 +18029,6 @@
     <a:masterClrMapping/>
   </p:clrMapOvr>
   <p:transition/>
-  <p:timing>
-    <p:tnLst>
-      <p:par>
-        <p:cTn id="1" dur="indefinite" restart="never" nodeType="tmRoot"/>
-      </p:par>
-    </p:tnLst>
-  </p:timing>
-</p:sld>
-</file>
-
-<file path=ppt/slides/slide40.xml><?xml version="1.0" encoding="utf-8"?>
-<p:sld xmlns:a="http://schemas.openxmlformats.org/drawingml/2006/main" xmlns:r="http://schemas.openxmlformats.org/officeDocument/2006/relationships" xmlns:p="http://schemas.openxmlformats.org/presentationml/2006/main">
-  <p:cSld>
-    <p:spTree>
-      <p:nvGrpSpPr>
-        <p:cNvPr id="1" name=""/>
-        <p:cNvGrpSpPr/>
-        <p:nvPr/>
-      </p:nvGrpSpPr>
-      <p:grpSpPr>
-        <a:xfrm>
-          <a:off x="0" y="0"/>
-          <a:ext cx="0" cy="0"/>
-          <a:chOff x="0" y="0"/>
-          <a:chExt cx="0" cy="0"/>
-        </a:xfrm>
-      </p:grpSpPr>
-      <p:sp>
-        <p:nvSpPr>
-          <p:cNvPr id="2" name="Title 1"/>
-          <p:cNvSpPr>
-            <a:spLocks noGrp="1"/>
-          </p:cNvSpPr>
-          <p:nvPr>
-            <p:ph type="title"/>
-          </p:nvPr>
-        </p:nvSpPr>
-        <p:spPr/>
-        <p:txBody>
-          <a:bodyPr/>
-          <a:lstStyle/>
-          <a:p>
-            <a:r>
-              <a:rPr lang="en-US" dirty="0" smtClean="0"/>
-              <a:t>Homework (4)</a:t>
-            </a:r>
-            <a:endParaRPr lang="en-US" dirty="0"/>
-          </a:p>
-        </p:txBody>
-      </p:sp>
-      <p:sp>
-        <p:nvSpPr>
-          <p:cNvPr id="3" name="Content Placeholder 2"/>
-          <p:cNvSpPr>
-            <a:spLocks noGrp="1"/>
-          </p:cNvSpPr>
-          <p:nvPr>
-            <p:ph idx="1"/>
-          </p:nvPr>
-        </p:nvSpPr>
-        <p:spPr>
-          <a:xfrm>
-            <a:off x="228600" y="1219200"/>
-            <a:ext cx="8686800" cy="4038600"/>
-          </a:xfrm>
-        </p:spPr>
-        <p:txBody>
-          <a:bodyPr/>
-          <a:lstStyle/>
-          <a:p>
-            <a:pPr marL="514350" indent="-514350">
-              <a:lnSpc>
-                <a:spcPct val="100000"/>
-              </a:lnSpc>
-              <a:buFont typeface="+mj-lt"/>
-              <a:buAutoNum type="arabicPeriod" startAt="4"/>
-            </a:pPr>
-            <a:r>
-              <a:rPr lang="en-US" sz="2800" dirty="0"/>
-              <a:t>Create a web page that looks like the Windows calculator in Programmer view</a:t>
-            </a:r>
-          </a:p>
-          <a:p>
-            <a:pPr lvl="1">
-              <a:lnSpc>
-                <a:spcPct val="90000"/>
-              </a:lnSpc>
-            </a:pPr>
-            <a:r>
-              <a:rPr lang="en-US" sz="2600" dirty="0" smtClean="0"/>
-              <a:t>It should look </a:t>
-            </a:r>
-            <a:r>
-              <a:rPr lang="en-US" sz="2600" dirty="0" smtClean="0">
-                <a:solidFill>
-                  <a:schemeClr val="accent5">
-                    <a:lumMod val="20000"/>
-                    <a:lumOff val="80000"/>
-                  </a:schemeClr>
-                </a:solidFill>
-              </a:rPr>
-              <a:t>exactly</a:t>
-            </a:r>
-            <a:r>
-              <a:rPr lang="en-US" sz="2600" dirty="0" smtClean="0"/>
-              <a:t> </a:t>
-            </a:r>
-            <a:br>
-              <a:rPr lang="en-US" sz="2600" dirty="0" smtClean="0"/>
-            </a:br>
-            <a:r>
-              <a:rPr lang="en-US" sz="2600" dirty="0" smtClean="0"/>
-              <a:t>the same</a:t>
-            </a:r>
-          </a:p>
-          <a:p>
-            <a:pPr lvl="1">
-              <a:lnSpc>
-                <a:spcPct val="90000"/>
-              </a:lnSpc>
-            </a:pPr>
-            <a:r>
-              <a:rPr lang="en-US" sz="2600" dirty="0" smtClean="0"/>
-              <a:t>Implement </a:t>
-            </a:r>
-            <a:r>
-              <a:rPr lang="en-US" sz="2600" dirty="0" smtClean="0">
-                <a:solidFill>
-                  <a:schemeClr val="accent5">
-                    <a:lumMod val="20000"/>
-                    <a:lumOff val="80000"/>
-                  </a:schemeClr>
-                </a:solidFill>
-              </a:rPr>
-              <a:t>hover</a:t>
-            </a:r>
-            <a:r>
-              <a:rPr lang="en-US" sz="2600" dirty="0" smtClean="0"/>
-              <a:t> effects </a:t>
-            </a:r>
-            <a:br>
-              <a:rPr lang="en-US" sz="2600" dirty="0" smtClean="0"/>
-            </a:br>
-            <a:r>
-              <a:rPr lang="en-US" sz="2600" dirty="0" smtClean="0"/>
-              <a:t>for the buttons</a:t>
-            </a:r>
-          </a:p>
-          <a:p>
-            <a:pPr lvl="1">
-              <a:lnSpc>
-                <a:spcPct val="90000"/>
-              </a:lnSpc>
-            </a:pPr>
-            <a:r>
-              <a:rPr lang="en-US" sz="2600" dirty="0" smtClean="0"/>
-              <a:t>The calculator should </a:t>
-            </a:r>
-            <a:br>
-              <a:rPr lang="en-US" sz="2600" dirty="0" smtClean="0"/>
-            </a:br>
-            <a:r>
-              <a:rPr lang="en-US" sz="2600" dirty="0" smtClean="0"/>
-              <a:t>not have </a:t>
-            </a:r>
-            <a:r>
-              <a:rPr lang="en-US" sz="2600" dirty="0" smtClean="0">
-                <a:solidFill>
-                  <a:schemeClr val="accent5">
-                    <a:lumMod val="20000"/>
-                    <a:lumOff val="80000"/>
-                  </a:schemeClr>
-                </a:solidFill>
-              </a:rPr>
-              <a:t>any functionality</a:t>
-            </a:r>
-            <a:endParaRPr lang="en-US" sz="2600" dirty="0">
-              <a:solidFill>
-                <a:schemeClr val="accent5">
-                  <a:lumMod val="20000"/>
-                  <a:lumOff val="80000"/>
-                </a:schemeClr>
-              </a:solidFill>
-            </a:endParaRPr>
-          </a:p>
-        </p:txBody>
-      </p:sp>
-      <p:sp>
-        <p:nvSpPr>
-          <p:cNvPr id="4" name="Slide Number Placeholder 3"/>
-          <p:cNvSpPr>
-            <a:spLocks noGrp="1"/>
-          </p:cNvSpPr>
-          <p:nvPr>
-            <p:ph type="sldNum" sz="quarter" idx="10"/>
-          </p:nvPr>
-        </p:nvSpPr>
-        <p:spPr/>
-        <p:txBody>
-          <a:bodyPr/>
-          <a:lstStyle/>
-          <a:p>
-            <a:pPr>
-              <a:defRPr/>
-            </a:pPr>
-            <a:fld id="{58452FF4-89E3-4D1B-9927-2DBDC00E58D7}" type="slidenum">
-              <a:rPr lang="en-US" smtClean="0"/>
-              <a:pPr>
-                <a:defRPr/>
-              </a:pPr>
-              <a:t>40</a:t>
-            </a:fld>
-            <a:endParaRPr lang="en-US" dirty="0"/>
-          </a:p>
-        </p:txBody>
-      </p:sp>
-      <p:pic>
-        <p:nvPicPr>
-          <p:cNvPr id="13316" name="Picture 4"/>
-          <p:cNvPicPr>
-            <a:picLocks noChangeAspect="1" noChangeArrowheads="1"/>
-          </p:cNvPicPr>
-          <p:nvPr/>
-        </p:nvPicPr>
-        <p:blipFill rotWithShape="1">
-          <a:blip r:embed="rId2" cstate="screen">
-            <a:extLst>
-              <a:ext uri="{BEBA8EAE-BF5A-486C-A8C5-ECC9F3942E4B}">
-                <a14:imgProps xmlns:a14="http://schemas.microsoft.com/office/drawing/2010/main">
-                  <a14:imgLayer r:embed="rId3">
-                    <a14:imgEffect>
-                      <a14:backgroundRemoval t="0" b="100000" l="0" r="100000">
-                        <a14:foregroundMark x1="6318" y1="7350" x2="94771" y2="7127"/>
-                        <a14:foregroundMark x1="96078" y1="8909" x2="95861" y2="64365"/>
-                        <a14:foregroundMark x1="95643" y1="68820" x2="96078" y2="87305"/>
-                        <a14:foregroundMark x1="7843" y1="88419" x2="39434" y2="89310"/>
-                        <a14:foregroundMark x1="6318" y1="82628" x2="5229" y2="34076"/>
-                      </a14:backgroundRemoval>
-                    </a14:imgEffect>
-                  </a14:imgLayer>
-                </a14:imgProps>
-              </a:ext>
-              <a:ext uri="{28A0092B-C50C-407E-A947-70E740481C1C}">
-                <a14:useLocalDpi xmlns:a14="http://schemas.microsoft.com/office/drawing/2010/main"/>
-              </a:ext>
-            </a:extLst>
-          </a:blip>
-          <a:srcRect l="3485" t="2376" r="2688" b="8239"/>
-          <a:stretch/>
-        </p:blipFill>
-        <p:spPr bwMode="auto">
-          <a:xfrm>
-            <a:off x="4806949" y="2273299"/>
-            <a:ext cx="4102101" cy="3822701"/>
-          </a:xfrm>
-          <a:prstGeom prst="rect">
-            <a:avLst/>
-          </a:prstGeom>
-          <a:noFill/>
-          <a:ln>
-            <a:noFill/>
-          </a:ln>
-          <a:effectLst/>
-          <a:extLst>
-            <a:ext uri="{909E8E84-426E-40DD-AFC4-6F175D3DCCD1}">
-              <a14:hiddenFill xmlns:a14="http://schemas.microsoft.com/office/drawing/2010/main">
-                <a:solidFill>
-                  <a:schemeClr val="accent1"/>
-                </a:solidFill>
-              </a14:hiddenFill>
-            </a:ext>
-            <a:ext uri="{91240B29-F687-4F45-9708-019B960494DF}">
-              <a14:hiddenLine xmlns:a14="http://schemas.microsoft.com/office/drawing/2010/main" w="9525">
-                <a:solidFill>
-                  <a:schemeClr val="tx1"/>
-                </a:solidFill>
-                <a:miter lim="800000"/>
-                <a:headEnd/>
-                <a:tailEnd/>
-              </a14:hiddenLine>
-            </a:ext>
-            <a:ext uri="{AF507438-7753-43E0-B8FC-AC1667EBCBE1}">
-              <a14:hiddenEffects xmlns:a14="http://schemas.microsoft.com/office/drawing/2010/main">
-                <a:effectLst>
-                  <a:outerShdw dist="35921" dir="2700000" algn="ctr" rotWithShape="0">
-                    <a:schemeClr val="bg2"/>
-                  </a:outerShdw>
-                </a:effectLst>
-              </a14:hiddenEffects>
-            </a:ext>
-          </a:extLst>
-        </p:spPr>
-      </p:pic>
-      <p:pic>
-        <p:nvPicPr>
-          <p:cNvPr id="13317" name="Picture 5"/>
-          <p:cNvPicPr>
-            <a:picLocks noChangeAspect="1" noChangeArrowheads="1"/>
-          </p:cNvPicPr>
-          <p:nvPr/>
-        </p:nvPicPr>
-        <p:blipFill>
-          <a:blip r:embed="rId4">
-            <a:extLst>
-              <a:ext uri="{28A0092B-C50C-407E-A947-70E740481C1C}">
-                <a14:useLocalDpi xmlns:a14="http://schemas.microsoft.com/office/drawing/2010/main"/>
-              </a:ext>
-            </a:extLst>
-          </a:blip>
-          <a:srcRect/>
-          <a:stretch>
-            <a:fillRect/>
-          </a:stretch>
-        </p:blipFill>
-        <p:spPr bwMode="auto">
-          <a:xfrm>
-            <a:off x="7467599" y="4010026"/>
-            <a:ext cx="114299" cy="180974"/>
-          </a:xfrm>
-          <a:prstGeom prst="rect">
-            <a:avLst/>
-          </a:prstGeom>
-          <a:noFill/>
-          <a:ln>
-            <a:noFill/>
-          </a:ln>
-          <a:effectLst/>
-          <a:extLst>
-            <a:ext uri="{909E8E84-426E-40DD-AFC4-6F175D3DCCD1}">
-              <a14:hiddenFill xmlns:a14="http://schemas.microsoft.com/office/drawing/2010/main">
-                <a:solidFill>
-                  <a:schemeClr val="accent1"/>
-                </a:solidFill>
-              </a14:hiddenFill>
-            </a:ext>
-            <a:ext uri="{91240B29-F687-4F45-9708-019B960494DF}">
-              <a14:hiddenLine xmlns:a14="http://schemas.microsoft.com/office/drawing/2010/main" w="9525">
-                <a:solidFill>
-                  <a:schemeClr val="tx1"/>
-                </a:solidFill>
-                <a:miter lim="800000"/>
-                <a:headEnd/>
-                <a:tailEnd/>
-              </a14:hiddenLine>
-            </a:ext>
-            <a:ext uri="{AF507438-7753-43E0-B8FC-AC1667EBCBE1}">
-              <a14:hiddenEffects xmlns:a14="http://schemas.microsoft.com/office/drawing/2010/main">
-                <a:effectLst>
-                  <a:outerShdw dist="35921" dir="2700000" algn="ctr" rotWithShape="0">
-                    <a:schemeClr val="bg2"/>
-                  </a:outerShdw>
-                </a:effectLst>
-              </a14:hiddenEffects>
-            </a:ext>
-          </a:extLst>
-        </p:spPr>
-      </p:pic>
-    </p:spTree>
-    <p:extLst>
-      <p:ext uri="{BB962C8B-B14F-4D97-AF65-F5344CB8AC3E}">
-        <p14:creationId xmlns:p14="http://schemas.microsoft.com/office/powerpoint/2010/main" val="95211695"/>
-      </p:ext>
-    </p:extLst>
-  </p:cSld>
-  <p:clrMapOvr>
-    <a:masterClrMapping/>
-  </p:clrMapOvr>
   <p:timing>
     <p:tnLst>
       <p:par>
@@ -19899,7 +20400,7 @@
   <a:extraClrSchemeLst/>
   <a:extLst>
     <a:ext uri="{05A4C25C-085E-4340-85A3-A5531E510DB2}">
-      <thm15:themeFamily xmlns:thm15="http://schemas.microsoft.com/office/thememl/2012/main" xmlns="" name="Office Theme" id="{62F939B6-93AF-4DB8-9C6B-D6C7DFDC589F}" vid="{4A3C46E8-61CC-4603-A589-7422A47A8E4A}"/>
+      <thm15:themeFamily xmlns:thm15="http://schemas.microsoft.com/office/thememl/2012/main" name="Office Theme" id="{62F939B6-93AF-4DB8-9C6B-D6C7DFDC589F}" vid="{4A3C46E8-61CC-4603-A589-7422A47A8E4A}"/>
     </a:ext>
   </a:extLst>
 </a:theme>
